--- a/MEMUGScotland-Resources/Slides/2023/29-June/29-June.pptx
+++ b/MEMUGScotland-Resources/Slides/2023/29-June/29-June.pptx
@@ -268,7 +268,7 @@
           <a:p>
             <a:fld id="{A90A183C-727B-435F-ADBC-0E3F935DCCBE}" type="datetimeFigureOut">
               <a:rPr lang="en-GB" smtClean="0"/>
-              <a:t>19/05/2023</a:t>
+              <a:t>01/09/2023</a:t>
             </a:fld>
             <a:endParaRPr lang="en-GB"/>
           </a:p>
@@ -468,7 +468,7 @@
           <a:p>
             <a:fld id="{A90A183C-727B-435F-ADBC-0E3F935DCCBE}" type="datetimeFigureOut">
               <a:rPr lang="en-GB" smtClean="0"/>
-              <a:t>19/05/2023</a:t>
+              <a:t>01/09/2023</a:t>
             </a:fld>
             <a:endParaRPr lang="en-GB"/>
           </a:p>
@@ -678,7 +678,7 @@
           <a:p>
             <a:fld id="{A90A183C-727B-435F-ADBC-0E3F935DCCBE}" type="datetimeFigureOut">
               <a:rPr lang="en-GB" smtClean="0"/>
-              <a:t>19/05/2023</a:t>
+              <a:t>01/09/2023</a:t>
             </a:fld>
             <a:endParaRPr lang="en-GB"/>
           </a:p>
@@ -878,7 +878,7 @@
           <a:p>
             <a:fld id="{A90A183C-727B-435F-ADBC-0E3F935DCCBE}" type="datetimeFigureOut">
               <a:rPr lang="en-GB" smtClean="0"/>
-              <a:t>19/05/2023</a:t>
+              <a:t>01/09/2023</a:t>
             </a:fld>
             <a:endParaRPr lang="en-GB"/>
           </a:p>
@@ -1154,7 +1154,7 @@
           <a:p>
             <a:fld id="{A90A183C-727B-435F-ADBC-0E3F935DCCBE}" type="datetimeFigureOut">
               <a:rPr lang="en-GB" smtClean="0"/>
-              <a:t>19/05/2023</a:t>
+              <a:t>01/09/2023</a:t>
             </a:fld>
             <a:endParaRPr lang="en-GB"/>
           </a:p>
@@ -1422,7 +1422,7 @@
           <a:p>
             <a:fld id="{A90A183C-727B-435F-ADBC-0E3F935DCCBE}" type="datetimeFigureOut">
               <a:rPr lang="en-GB" smtClean="0"/>
-              <a:t>19/05/2023</a:t>
+              <a:t>01/09/2023</a:t>
             </a:fld>
             <a:endParaRPr lang="en-GB"/>
           </a:p>
@@ -1837,7 +1837,7 @@
           <a:p>
             <a:fld id="{A90A183C-727B-435F-ADBC-0E3F935DCCBE}" type="datetimeFigureOut">
               <a:rPr lang="en-GB" smtClean="0"/>
-              <a:t>19/05/2023</a:t>
+              <a:t>01/09/2023</a:t>
             </a:fld>
             <a:endParaRPr lang="en-GB"/>
           </a:p>
@@ -1979,7 +1979,7 @@
           <a:p>
             <a:fld id="{A90A183C-727B-435F-ADBC-0E3F935DCCBE}" type="datetimeFigureOut">
               <a:rPr lang="en-GB" smtClean="0"/>
-              <a:t>19/05/2023</a:t>
+              <a:t>01/09/2023</a:t>
             </a:fld>
             <a:endParaRPr lang="en-GB"/>
           </a:p>
@@ -2092,7 +2092,7 @@
           <a:p>
             <a:fld id="{A90A183C-727B-435F-ADBC-0E3F935DCCBE}" type="datetimeFigureOut">
               <a:rPr lang="en-GB" smtClean="0"/>
-              <a:t>19/05/2023</a:t>
+              <a:t>01/09/2023</a:t>
             </a:fld>
             <a:endParaRPr lang="en-GB"/>
           </a:p>
@@ -2405,7 +2405,7 @@
           <a:p>
             <a:fld id="{A90A183C-727B-435F-ADBC-0E3F935DCCBE}" type="datetimeFigureOut">
               <a:rPr lang="en-GB" smtClean="0"/>
-              <a:t>19/05/2023</a:t>
+              <a:t>01/09/2023</a:t>
             </a:fld>
             <a:endParaRPr lang="en-GB"/>
           </a:p>
@@ -2694,7 +2694,7 @@
           <a:p>
             <a:fld id="{A90A183C-727B-435F-ADBC-0E3F935DCCBE}" type="datetimeFigureOut">
               <a:rPr lang="en-GB" smtClean="0"/>
-              <a:t>19/05/2023</a:t>
+              <a:t>01/09/2023</a:t>
             </a:fld>
             <a:endParaRPr lang="en-GB"/>
           </a:p>
@@ -2937,7 +2937,7 @@
           <a:p>
             <a:fld id="{A90A183C-727B-435F-ADBC-0E3F935DCCBE}" type="datetimeFigureOut">
               <a:rPr lang="en-GB" smtClean="0"/>
-              <a:t>19/05/2023</a:t>
+              <a:t>01/09/2023</a:t>
             </a:fld>
             <a:endParaRPr lang="en-GB"/>
           </a:p>
@@ -3451,12 +3451,12 @@
           <a:p>
             <a:r>
               <a:rPr lang="en-GB"/>
-              <a:t>29th June 2023</a:t>
-            </a:r>
-            <a:endParaRPr lang="en-GB" dirty="0"/>
-          </a:p>
-          <a:p>
-            <a:endParaRPr lang="en-GB" dirty="0"/>
+              <a:t>29th June </a:t>
+            </a:r>
+            <a:r>
+              <a:rPr lang="en-GB" dirty="0"/>
+              <a:t>2023</a:t>
+            </a:r>
           </a:p>
         </p:txBody>
       </p:sp>
